--- a/Homework/Week_3/17415009_서보근_Oct.02_(3주차).pptx
+++ b/Homework/Week_3/17415009_서보근_Oct.02_(3주차).pptx
@@ -10848,7 +10848,7 @@
     <mc:Choice Requires="p14">
       <p:transition/>
     </mc:Choice>
-    <mc:Fallback xmlns="" xmlns:c="http://schemas.openxmlformats.org/drawingml/2006/chart" xmlns:dgm="http://schemas.openxmlformats.org/drawingml/2006/diagram" xmlns:dsp="http://schemas.microsoft.com/office/drawing/2008/diagram">
+    <mc:Fallback xmlns:dsp="http://schemas.microsoft.com/office/drawing/2008/diagram" xmlns:dgm="http://schemas.openxmlformats.org/drawingml/2006/diagram" xmlns:c="http://schemas.openxmlformats.org/drawingml/2006/chart" xmlns="">
       <p:transition/>
     </mc:Fallback>
   </mc:AlternateContent>
@@ -11039,7 +11039,7 @@
     <mc:Choice Requires="p14">
       <p:transition/>
     </mc:Choice>
-    <mc:Fallback xmlns="" xmlns:c="http://schemas.openxmlformats.org/drawingml/2006/chart" xmlns:dgm="http://schemas.openxmlformats.org/drawingml/2006/diagram" xmlns:dsp="http://schemas.microsoft.com/office/drawing/2008/diagram">
+    <mc:Fallback xmlns:dsp="http://schemas.microsoft.com/office/drawing/2008/diagram" xmlns:dgm="http://schemas.openxmlformats.org/drawingml/2006/diagram" xmlns:c="http://schemas.openxmlformats.org/drawingml/2006/chart" xmlns="">
       <p:transition/>
     </mc:Fallback>
   </mc:AlternateContent>
@@ -11834,7 +11834,7 @@
     <mc:Choice Requires="p14">
       <p:transition/>
     </mc:Choice>
-    <mc:Fallback xmlns="" xmlns:c="http://schemas.openxmlformats.org/drawingml/2006/chart" xmlns:dgm="http://schemas.openxmlformats.org/drawingml/2006/diagram" xmlns:dsp="http://schemas.microsoft.com/office/drawing/2008/diagram">
+    <mc:Fallback xmlns:dsp="http://schemas.microsoft.com/office/drawing/2008/diagram" xmlns:dgm="http://schemas.openxmlformats.org/drawingml/2006/diagram" xmlns:c="http://schemas.openxmlformats.org/drawingml/2006/chart" xmlns="">
       <p:transition/>
     </mc:Fallback>
   </mc:AlternateContent>
@@ -13259,7 +13259,7 @@
     <mc:Choice Requires="p14">
       <p:transition/>
     </mc:Choice>
-    <mc:Fallback xmlns="" xmlns:c="http://schemas.openxmlformats.org/drawingml/2006/chart" xmlns:dgm="http://schemas.openxmlformats.org/drawingml/2006/diagram" xmlns:dsp="http://schemas.microsoft.com/office/drawing/2008/diagram">
+    <mc:Fallback xmlns:dsp="http://schemas.microsoft.com/office/drawing/2008/diagram" xmlns:dgm="http://schemas.openxmlformats.org/drawingml/2006/diagram" xmlns:c="http://schemas.openxmlformats.org/drawingml/2006/chart" xmlns="">
       <p:transition/>
     </mc:Fallback>
   </mc:AlternateContent>
@@ -14693,7 +14693,7 @@
         </p:nvSpPr>
         <p:spPr>
           <a:xfrm>
-            <a:off x="69486" y="3137665"/>
+            <a:off x="0" y="6295924"/>
             <a:ext cx="3400491" cy="230832"/>
           </a:xfrm>
           <a:prstGeom prst="rect">
@@ -14774,7 +14774,7 @@
     <mc:Choice Requires="p14">
       <p:transition/>
     </mc:Choice>
-    <mc:Fallback xmlns="" xmlns:c="http://schemas.openxmlformats.org/drawingml/2006/chart" xmlns:dgm="http://schemas.openxmlformats.org/drawingml/2006/diagram" xmlns:dsp="http://schemas.microsoft.com/office/drawing/2008/diagram">
+    <mc:Fallback xmlns:dsp="http://schemas.microsoft.com/office/drawing/2008/diagram" xmlns:dgm="http://schemas.openxmlformats.org/drawingml/2006/diagram" xmlns:c="http://schemas.openxmlformats.org/drawingml/2006/chart" xmlns="">
       <p:transition/>
     </mc:Fallback>
   </mc:AlternateContent>
@@ -14857,8 +14857,8 @@
           </a:p>
         </p:txBody>
       </p:sp>
-      <mc:AlternateContent xmlns:mc="http://schemas.openxmlformats.org/markup-compatibility/2006">
-        <mc:Choice xmlns:a14="http://schemas.microsoft.com/office/drawing/2010/main" Requires="a14">
+      <mc:AlternateContent xmlns:mc="http://schemas.openxmlformats.org/markup-compatibility/2006" xmlns:a14="http://schemas.microsoft.com/office/drawing/2010/main">
+        <mc:Choice Requires="a14">
           <p:sp>
             <p:nvSpPr>
               <p:cNvPr id="8" name="TextBox 7">
@@ -15621,7 +15621,7 @@
             </p:txBody>
           </p:sp>
         </mc:Choice>
-        <mc:Fallback>
+        <mc:Fallback xmlns="">
           <p:sp>
             <p:nvSpPr>
               <p:cNvPr id="8" name="TextBox 7">
@@ -16217,7 +16217,7 @@
     <mc:Choice Requires="p14">
       <p:transition/>
     </mc:Choice>
-    <mc:Fallback xmlns="" xmlns:c="http://schemas.openxmlformats.org/drawingml/2006/chart" xmlns:dgm="http://schemas.openxmlformats.org/drawingml/2006/diagram" xmlns:dsp="http://schemas.microsoft.com/office/drawing/2008/diagram">
+    <mc:Fallback xmlns:dsp="http://schemas.microsoft.com/office/drawing/2008/diagram" xmlns:dgm="http://schemas.openxmlformats.org/drawingml/2006/diagram" xmlns:c="http://schemas.openxmlformats.org/drawingml/2006/chart" xmlns="">
       <p:transition/>
     </mc:Fallback>
   </mc:AlternateContent>
@@ -17189,7 +17189,7 @@
     <mc:Choice Requires="p14">
       <p:transition/>
     </mc:Choice>
-    <mc:Fallback xmlns="" xmlns:c="http://schemas.openxmlformats.org/drawingml/2006/chart" xmlns:dgm="http://schemas.openxmlformats.org/drawingml/2006/diagram" xmlns:dsp="http://schemas.microsoft.com/office/drawing/2008/diagram">
+    <mc:Fallback xmlns:dsp="http://schemas.microsoft.com/office/drawing/2008/diagram" xmlns:dgm="http://schemas.openxmlformats.org/drawingml/2006/diagram" xmlns:c="http://schemas.openxmlformats.org/drawingml/2006/chart" xmlns="">
       <p:transition/>
     </mc:Fallback>
   </mc:AlternateContent>
@@ -17300,8 +17300,8 @@
           </a:p>
         </p:txBody>
       </p:sp>
-      <mc:AlternateContent xmlns:mc="http://schemas.openxmlformats.org/markup-compatibility/2006">
-        <mc:Choice xmlns:a14="http://schemas.microsoft.com/office/drawing/2010/main" Requires="a14">
+      <mc:AlternateContent xmlns:mc="http://schemas.openxmlformats.org/markup-compatibility/2006" xmlns:a14="http://schemas.microsoft.com/office/drawing/2010/main">
+        <mc:Choice Requires="a14">
           <p:sp>
             <p:nvSpPr>
               <p:cNvPr id="8" name="TextBox 7">
@@ -18138,7 +18138,7 @@
             </p:txBody>
           </p:sp>
         </mc:Choice>
-        <mc:Fallback>
+        <mc:Fallback xmlns="">
           <p:sp>
             <p:nvSpPr>
               <p:cNvPr id="8" name="TextBox 7">
@@ -18679,7 +18679,7 @@
     <mc:Choice Requires="p14">
       <p:transition/>
     </mc:Choice>
-    <mc:Fallback xmlns="" xmlns:c="http://schemas.openxmlformats.org/drawingml/2006/chart" xmlns:dgm="http://schemas.openxmlformats.org/drawingml/2006/diagram" xmlns:dsp="http://schemas.microsoft.com/office/drawing/2008/diagram">
+    <mc:Fallback xmlns:dsp="http://schemas.microsoft.com/office/drawing/2008/diagram" xmlns:dgm="http://schemas.openxmlformats.org/drawingml/2006/diagram" xmlns:c="http://schemas.openxmlformats.org/drawingml/2006/chart" xmlns="">
       <p:transition/>
     </mc:Fallback>
   </mc:AlternateContent>
@@ -18790,8 +18790,8 @@
           </a:p>
         </p:txBody>
       </p:sp>
-      <mc:AlternateContent xmlns:mc="http://schemas.openxmlformats.org/markup-compatibility/2006">
-        <mc:Choice xmlns:a14="http://schemas.microsoft.com/office/drawing/2010/main" Requires="a14">
+      <mc:AlternateContent xmlns:mc="http://schemas.openxmlformats.org/markup-compatibility/2006" xmlns:a14="http://schemas.microsoft.com/office/drawing/2010/main">
+        <mc:Choice Requires="a14">
           <p:sp>
             <p:nvSpPr>
               <p:cNvPr id="8" name="TextBox 7">
@@ -19375,19 +19375,7 @@
                         </a:solidFill>
                         <a:latin typeface="Cambria Math" panose="02040503050406030204" pitchFamily="18" charset="0"/>
                       </a:rPr>
-                      <m:t>결</m:t>
-                    </m:r>
-                    <m:r>
-                      <a:rPr lang="ko-KR" altLang="en-US" sz="900" i="1">
-                        <a:solidFill>
-                          <a:schemeClr val="tx1">
-                            <a:lumMod val="65000"/>
-                            <a:lumOff val="35000"/>
-                          </a:schemeClr>
-                        </a:solidFill>
-                        <a:latin typeface="Cambria Math" panose="02040503050406030204" pitchFamily="18" charset="0"/>
-                      </a:rPr>
-                      <m:t>과</m:t>
+                      <m:t>결과</m:t>
                     </m:r>
                     <m:r>
                       <a:rPr lang="en-US" altLang="ko-KR" sz="900" i="1">
@@ -19632,7 +19620,7 @@
             </p:txBody>
           </p:sp>
         </mc:Choice>
-        <mc:Fallback>
+        <mc:Fallback xmlns="">
           <p:sp>
             <p:nvSpPr>
               <p:cNvPr id="8" name="TextBox 7">
@@ -20173,7 +20161,7 @@
     <mc:Choice Requires="p14">
       <p:transition/>
     </mc:Choice>
-    <mc:Fallback xmlns="" xmlns:c="http://schemas.openxmlformats.org/drawingml/2006/chart" xmlns:dgm="http://schemas.openxmlformats.org/drawingml/2006/diagram" xmlns:dsp="http://schemas.microsoft.com/office/drawing/2008/diagram">
+    <mc:Fallback xmlns:dsp="http://schemas.microsoft.com/office/drawing/2008/diagram" xmlns:dgm="http://schemas.openxmlformats.org/drawingml/2006/diagram" xmlns:c="http://schemas.openxmlformats.org/drawingml/2006/chart" xmlns="">
       <p:transition/>
     </mc:Fallback>
   </mc:AlternateContent>
@@ -20240,8 +20228,8 @@
           </a:p>
         </p:txBody>
       </p:sp>
-      <mc:AlternateContent xmlns:mc="http://schemas.openxmlformats.org/markup-compatibility/2006">
-        <mc:Choice xmlns:a14="http://schemas.microsoft.com/office/drawing/2010/main" Requires="a14">
+      <mc:AlternateContent xmlns:mc="http://schemas.openxmlformats.org/markup-compatibility/2006" xmlns:a14="http://schemas.microsoft.com/office/drawing/2010/main">
+        <mc:Choice Requires="a14">
           <p:sp>
             <p:nvSpPr>
               <p:cNvPr id="16" name="TextBox 15">
@@ -20353,7 +20341,7 @@
             </p:txBody>
           </p:sp>
         </mc:Choice>
-        <mc:Fallback>
+        <mc:Fallback xmlns="">
           <p:sp>
             <p:nvSpPr>
               <p:cNvPr id="16" name="TextBox 15">
@@ -21940,6 +21928,87 @@
           </a:p>
         </p:txBody>
       </p:sp>
+      <p:sp>
+        <p:nvSpPr>
+          <p:cNvPr id="2" name="TextBox 1">
+            <a:extLst>
+              <a:ext uri="{FF2B5EF4-FFF2-40B4-BE49-F238E27FC236}">
+                <a16:creationId xmlns:a16="http://schemas.microsoft.com/office/drawing/2014/main" id="{343AA8B2-D831-DF21-6244-DAC43CA8E5BF}"/>
+              </a:ext>
+            </a:extLst>
+          </p:cNvPr>
+          <p:cNvSpPr txBox="1"/>
+          <p:nvPr/>
+        </p:nvSpPr>
+        <p:spPr>
+          <a:xfrm>
+            <a:off x="0" y="6295924"/>
+            <a:ext cx="3400491" cy="230832"/>
+          </a:xfrm>
+          <a:prstGeom prst="rect">
+            <a:avLst/>
+          </a:prstGeom>
+          <a:noFill/>
+        </p:spPr>
+        <p:txBody>
+          <a:bodyPr wrap="square" rtlCol="0">
+            <a:spAutoFit/>
+          </a:bodyPr>
+          <a:lstStyle/>
+          <a:p>
+            <a:r>
+              <a:rPr lang="en-US" altLang="ko-KR" sz="900" dirty="0">
+                <a:solidFill>
+                  <a:schemeClr val="bg1">
+                    <a:lumMod val="50000"/>
+                  </a:schemeClr>
+                </a:solidFill>
+              </a:rPr>
+              <a:t>*</a:t>
+            </a:r>
+            <a:r>
+              <a:rPr lang="ko-KR" altLang="en-US" sz="900" dirty="0">
+                <a:solidFill>
+                  <a:schemeClr val="bg1">
+                    <a:lumMod val="50000"/>
+                  </a:schemeClr>
+                </a:solidFill>
+              </a:rPr>
+              <a:t>본 해석은 </a:t>
+            </a:r>
+            <a:r>
+              <a:rPr lang="en-US" altLang="ko-KR" sz="900" dirty="0">
+                <a:solidFill>
+                  <a:schemeClr val="bg1">
+                    <a:lumMod val="50000"/>
+                  </a:schemeClr>
+                </a:solidFill>
+              </a:rPr>
+              <a:t>Open AI, Chat GPT</a:t>
+            </a:r>
+            <a:r>
+              <a:rPr lang="ko-KR" altLang="en-US" sz="900" dirty="0">
+                <a:solidFill>
+                  <a:schemeClr val="bg1">
+                    <a:lumMod val="50000"/>
+                  </a:schemeClr>
+                </a:solidFill>
+              </a:rPr>
+              <a:t>의 도움을 받아 해석되었습니다</a:t>
+            </a:r>
+            <a:r>
+              <a:rPr lang="en-US" altLang="ko-KR" sz="900" dirty="0">
+                <a:solidFill>
+                  <a:schemeClr val="bg1">
+                    <a:lumMod val="50000"/>
+                  </a:schemeClr>
+                </a:solidFill>
+              </a:rPr>
+              <a:t>.</a:t>
+            </a:r>
+          </a:p>
+        </p:txBody>
+      </p:sp>
     </p:spTree>
     <p:extLst>
       <p:ext uri="{BB962C8B-B14F-4D97-AF65-F5344CB8AC3E}">
@@ -21954,7 +22023,7 @@
     <mc:Choice Requires="p14">
       <p:transition/>
     </mc:Choice>
-    <mc:Fallback xmlns="" xmlns:c="http://schemas.openxmlformats.org/drawingml/2006/chart" xmlns:dgm="http://schemas.openxmlformats.org/drawingml/2006/diagram" xmlns:dsp="http://schemas.microsoft.com/office/drawing/2008/diagram">
+    <mc:Fallback xmlns:dsp="http://schemas.microsoft.com/office/drawing/2008/diagram" xmlns:dgm="http://schemas.openxmlformats.org/drawingml/2006/diagram" xmlns:c="http://schemas.openxmlformats.org/drawingml/2006/chart" xmlns="">
       <p:transition/>
     </mc:Fallback>
   </mc:AlternateContent>
